--- a/２年/消費者行動と心理/消費者の行動と心理：第１回（20170413）.pptx
+++ b/２年/消費者行動と心理/消費者の行動と心理：第１回（20170413）.pptx
@@ -121,7 +121,7 @@
   </p:defaultTextStyle>
   <p:extLst>
     <p:ext uri="{EFAFB233-063F-42B5-8137-9DF3F51BA10A}">
-      <p15:sldGuideLst xmlns:p15="http://schemas.microsoft.com/office/powerpoint/2012/main">
+      <p15:sldGuideLst xmlns:p15="http://schemas.microsoft.com/office/powerpoint/2012/main" xmlns="">
         <p15:guide id="1" orient="horz" pos="2160">
           <p15:clr>
             <a:srgbClr val="A4A3A4"/>
@@ -220,7 +220,7 @@
           <a:p>
             <a:fld id="{0C86A154-4EE3-4C61-A8D3-32AF1EBC53C5}" type="datetimeFigureOut">
               <a:rPr kumimoji="1" lang="ja-JP" altLang="en-US" smtClean="0"/>
-              <a:t>2017/4/13</a:t>
+              <a:t>17/06/01</a:t>
             </a:fld>
             <a:endParaRPr kumimoji="1" lang="ja-JP" altLang="en-US"/>
           </a:p>
@@ -348,7 +348,6 @@
               <a:rPr kumimoji="1" lang="ja-JP" altLang="en-US"/>
               <a:t>マスター タイトルの書式設定</a:t>
             </a:r>
-            <a:endParaRPr kumimoji="1" lang="ja-JP" altLang="en-US"/>
           </a:p>
         </p:txBody>
       </p:sp>
@@ -413,7 +412,6 @@
               <a:rPr kumimoji="1" lang="ja-JP" altLang="en-US"/>
               <a:t>マスター サブタイトルの書式設定</a:t>
             </a:r>
-            <a:endParaRPr kumimoji="1" lang="ja-JP" altLang="en-US"/>
           </a:p>
         </p:txBody>
       </p:sp>
@@ -434,7 +432,7 @@
           <a:p>
             <a:fld id="{34F6AD45-6438-4938-BD9D-812BEBFA0273}" type="datetimeFigureOut">
               <a:rPr kumimoji="1" lang="ja-JP" altLang="en-US" smtClean="0"/>
-              <a:t>2017/4/13</a:t>
+              <a:t>17/06/01</a:t>
             </a:fld>
             <a:endParaRPr kumimoji="1" lang="ja-JP" altLang="en-US"/>
           </a:p>
@@ -541,7 +539,6 @@
               <a:rPr kumimoji="1" lang="ja-JP" altLang="en-US"/>
               <a:t>マスター タイトルの書式設定</a:t>
             </a:r>
-            <a:endParaRPr kumimoji="1" lang="ja-JP" altLang="en-US"/>
           </a:p>
         </p:txBody>
       </p:sp>
@@ -625,7 +622,6 @@
               <a:rPr kumimoji="1" lang="ja-JP" altLang="en-US"/>
               <a:t>レベル</a:t>
             </a:r>
-            <a:endParaRPr kumimoji="1" lang="ja-JP" altLang="en-US"/>
           </a:p>
         </p:txBody>
       </p:sp>
@@ -646,7 +642,7 @@
           <a:p>
             <a:fld id="{6B002DBE-1286-4F33-BD45-78F6B12D4059}" type="datetimeFigureOut">
               <a:rPr kumimoji="1" lang="ja-JP" altLang="en-US" smtClean="0"/>
-              <a:t>2017/4/13</a:t>
+              <a:t>17/06/01</a:t>
             </a:fld>
             <a:endParaRPr kumimoji="1" lang="ja-JP" altLang="en-US"/>
           </a:p>
@@ -748,7 +744,6 @@
               <a:rPr kumimoji="1" lang="ja-JP" altLang="en-US"/>
               <a:t>マスター タイトルの書式設定</a:t>
             </a:r>
-            <a:endParaRPr kumimoji="1" lang="ja-JP" altLang="en-US"/>
           </a:p>
         </p:txBody>
       </p:sp>
@@ -837,7 +832,6 @@
               <a:rPr kumimoji="1" lang="ja-JP" altLang="en-US"/>
               <a:t>レベル</a:t>
             </a:r>
-            <a:endParaRPr kumimoji="1" lang="ja-JP" altLang="en-US"/>
           </a:p>
         </p:txBody>
       </p:sp>
@@ -858,7 +852,7 @@
           <a:p>
             <a:fld id="{6B002DBE-1286-4F33-BD45-78F6B12D4059}" type="datetimeFigureOut">
               <a:rPr kumimoji="1" lang="ja-JP" altLang="en-US" smtClean="0"/>
-              <a:t>2017/4/13</a:t>
+              <a:t>17/06/01</a:t>
             </a:fld>
             <a:endParaRPr kumimoji="1" lang="ja-JP" altLang="en-US"/>
           </a:p>
@@ -955,7 +949,6 @@
               <a:rPr kumimoji="1" lang="ja-JP" altLang="en-US"/>
               <a:t>マスター タイトルの書式設定</a:t>
             </a:r>
-            <a:endParaRPr kumimoji="1" lang="ja-JP" altLang="en-US"/>
           </a:p>
         </p:txBody>
       </p:sp>
@@ -1039,7 +1032,6 @@
               <a:rPr kumimoji="1" lang="ja-JP" altLang="en-US"/>
               <a:t>レベル</a:t>
             </a:r>
-            <a:endParaRPr kumimoji="1" lang="ja-JP" altLang="en-US"/>
           </a:p>
         </p:txBody>
       </p:sp>
@@ -1060,7 +1052,7 @@
           <a:p>
             <a:fld id="{6B002DBE-1286-4F33-BD45-78F6B12D4059}" type="datetimeFigureOut">
               <a:rPr kumimoji="1" lang="ja-JP" altLang="en-US" smtClean="0"/>
-              <a:t>2017/4/13</a:t>
+              <a:t>17/06/01</a:t>
             </a:fld>
             <a:endParaRPr kumimoji="1" lang="ja-JP" altLang="en-US"/>
           </a:p>
@@ -1176,7 +1168,6 @@
               <a:rPr kumimoji="1" lang="ja-JP" altLang="en-US"/>
               <a:t>マスター タイトルの書式設定</a:t>
             </a:r>
-            <a:endParaRPr kumimoji="1" lang="ja-JP" altLang="en-US"/>
           </a:p>
         </p:txBody>
       </p:sp>
@@ -1316,7 +1307,7 @@
           <a:p>
             <a:fld id="{34F6AD45-6438-4938-BD9D-812BEBFA0273}" type="datetimeFigureOut">
               <a:rPr kumimoji="1" lang="ja-JP" altLang="en-US" smtClean="0"/>
-              <a:t>2017/4/13</a:t>
+              <a:t>17/06/01</a:t>
             </a:fld>
             <a:endParaRPr kumimoji="1" lang="ja-JP" altLang="en-US"/>
           </a:p>
@@ -1423,7 +1414,6 @@
               <a:rPr kumimoji="1" lang="ja-JP" altLang="en-US"/>
               <a:t>マスター タイトルの書式設定</a:t>
             </a:r>
-            <a:endParaRPr kumimoji="1" lang="ja-JP" altLang="en-US"/>
           </a:p>
         </p:txBody>
       </p:sp>
@@ -1512,7 +1502,6 @@
               <a:rPr kumimoji="1" lang="ja-JP" altLang="en-US"/>
               <a:t>レベル</a:t>
             </a:r>
-            <a:endParaRPr kumimoji="1" lang="ja-JP" altLang="en-US"/>
           </a:p>
         </p:txBody>
       </p:sp>
@@ -1601,7 +1590,6 @@
               <a:rPr kumimoji="1" lang="ja-JP" altLang="en-US"/>
               <a:t>レベル</a:t>
             </a:r>
-            <a:endParaRPr kumimoji="1" lang="ja-JP" altLang="en-US"/>
           </a:p>
         </p:txBody>
       </p:sp>
@@ -1622,7 +1610,7 @@
           <a:p>
             <a:fld id="{6B002DBE-1286-4F33-BD45-78F6B12D4059}" type="datetimeFigureOut">
               <a:rPr kumimoji="1" lang="ja-JP" altLang="en-US" smtClean="0"/>
-              <a:t>2017/4/13</a:t>
+              <a:t>17/06/01</a:t>
             </a:fld>
             <a:endParaRPr kumimoji="1" lang="ja-JP" altLang="en-US"/>
           </a:p>
@@ -1734,7 +1722,6 @@
               <a:rPr kumimoji="1" lang="ja-JP" altLang="en-US"/>
               <a:t>マスター タイトルの書式設定</a:t>
             </a:r>
-            <a:endParaRPr kumimoji="1" lang="ja-JP" altLang="en-US"/>
           </a:p>
         </p:txBody>
       </p:sp>
@@ -1888,7 +1875,6 @@
               <a:rPr kumimoji="1" lang="ja-JP" altLang="en-US"/>
               <a:t>レベル</a:t>
             </a:r>
-            <a:endParaRPr kumimoji="1" lang="ja-JP" altLang="en-US"/>
           </a:p>
         </p:txBody>
       </p:sp>
@@ -2042,7 +2028,6 @@
               <a:rPr kumimoji="1" lang="ja-JP" altLang="en-US"/>
               <a:t>レベル</a:t>
             </a:r>
-            <a:endParaRPr kumimoji="1" lang="ja-JP" altLang="en-US"/>
           </a:p>
         </p:txBody>
       </p:sp>
@@ -2063,7 +2048,7 @@
           <a:p>
             <a:fld id="{6B002DBE-1286-4F33-BD45-78F6B12D4059}" type="datetimeFigureOut">
               <a:rPr kumimoji="1" lang="ja-JP" altLang="en-US" smtClean="0"/>
-              <a:t>2017/4/13</a:t>
+              <a:t>17/06/01</a:t>
             </a:fld>
             <a:endParaRPr kumimoji="1" lang="ja-JP" altLang="en-US"/>
           </a:p>
@@ -2170,7 +2155,6 @@
               <a:rPr kumimoji="1" lang="ja-JP" altLang="en-US"/>
               <a:t>マスター タイトルの書式設定</a:t>
             </a:r>
-            <a:endParaRPr kumimoji="1" lang="ja-JP" altLang="en-US"/>
           </a:p>
         </p:txBody>
       </p:sp>
@@ -2191,7 +2175,7 @@
           <a:p>
             <a:fld id="{6B002DBE-1286-4F33-BD45-78F6B12D4059}" type="datetimeFigureOut">
               <a:rPr kumimoji="1" lang="ja-JP" altLang="en-US" smtClean="0"/>
-              <a:t>2017/4/13</a:t>
+              <a:t>17/06/01</a:t>
             </a:fld>
             <a:endParaRPr kumimoji="1" lang="ja-JP" altLang="en-US"/>
           </a:p>
@@ -2296,7 +2280,7 @@
           <a:p>
             <a:fld id="{6B002DBE-1286-4F33-BD45-78F6B12D4059}" type="datetimeFigureOut">
               <a:rPr kumimoji="1" lang="ja-JP" altLang="en-US" smtClean="0"/>
-              <a:t>2017/4/13</a:t>
+              <a:t>17/06/01</a:t>
             </a:fld>
             <a:endParaRPr kumimoji="1" lang="ja-JP" altLang="en-US"/>
           </a:p>
@@ -2412,7 +2396,6 @@
               <a:rPr kumimoji="1" lang="ja-JP" altLang="en-US"/>
               <a:t>マスター タイトルの書式設定</a:t>
             </a:r>
-            <a:endParaRPr kumimoji="1" lang="ja-JP" altLang="en-US"/>
           </a:p>
         </p:txBody>
       </p:sp>
@@ -2529,7 +2512,6 @@
               <a:rPr kumimoji="1" lang="ja-JP" altLang="en-US"/>
               <a:t>レベル</a:t>
             </a:r>
-            <a:endParaRPr kumimoji="1" lang="ja-JP" altLang="en-US"/>
           </a:p>
         </p:txBody>
       </p:sp>
@@ -2615,7 +2597,7 @@
           <a:p>
             <a:fld id="{6B002DBE-1286-4F33-BD45-78F6B12D4059}" type="datetimeFigureOut">
               <a:rPr kumimoji="1" lang="ja-JP" altLang="en-US" smtClean="0"/>
-              <a:t>2017/4/13</a:t>
+              <a:t>17/06/01</a:t>
             </a:fld>
             <a:endParaRPr kumimoji="1" lang="ja-JP" altLang="en-US"/>
           </a:p>
@@ -2721,7 +2703,6 @@
               <a:rPr kumimoji="1" lang="ja-JP" altLang="en-US"/>
               <a:t>マスター タイトルの書式設定</a:t>
             </a:r>
-            <a:endParaRPr kumimoji="1" lang="ja-JP" altLang="en-US"/>
           </a:p>
         </p:txBody>
       </p:sp>
@@ -2868,7 +2849,7 @@
           <a:p>
             <a:fld id="{6B002DBE-1286-4F33-BD45-78F6B12D4059}" type="datetimeFigureOut">
               <a:rPr kumimoji="1" lang="ja-JP" altLang="en-US" smtClean="0"/>
-              <a:t>2017/4/13</a:t>
+              <a:t>17/06/01</a:t>
             </a:fld>
             <a:endParaRPr kumimoji="1" lang="ja-JP" altLang="en-US"/>
           </a:p>
@@ -2980,7 +2961,6 @@
               <a:rPr kumimoji="1" lang="ja-JP" altLang="en-US"/>
               <a:t>マスター タイトルの書式設定</a:t>
             </a:r>
-            <a:endParaRPr kumimoji="1" lang="ja-JP" altLang="en-US"/>
           </a:p>
         </p:txBody>
       </p:sp>
@@ -3074,7 +3054,6 @@
               <a:rPr kumimoji="1" lang="ja-JP" altLang="en-US"/>
               <a:t>レベル</a:t>
             </a:r>
-            <a:endParaRPr kumimoji="1" lang="ja-JP" altLang="en-US"/>
           </a:p>
         </p:txBody>
       </p:sp>
@@ -3113,7 +3092,7 @@
           <a:p>
             <a:fld id="{6B002DBE-1286-4F33-BD45-78F6B12D4059}" type="datetimeFigureOut">
               <a:rPr kumimoji="1" lang="ja-JP" altLang="en-US" smtClean="0"/>
-              <a:t>2017/4/13</a:t>
+              <a:t>17/06/01</a:t>
             </a:fld>
             <a:endParaRPr kumimoji="1" lang="ja-JP" altLang="en-US"/>
           </a:p>
@@ -3510,7 +3489,7 @@
   </p:txStyles>
   <p:extLst>
     <p:ext uri="{27BBF7A9-308A-43DC-89C8-2F10F3537804}">
-      <p15:sldGuideLst xmlns:p15="http://schemas.microsoft.com/office/powerpoint/2012/main"/>
+      <p15:sldGuideLst xmlns:p15="http://schemas.microsoft.com/office/powerpoint/2012/main" xmlns=""/>
     </p:ext>
   </p:extLst>
 </p:sldMaster>
@@ -3572,7 +3551,7 @@
         </p:nvSpPr>
         <p:spPr>
           <a:xfrm>
-            <a:off x="2419528" y="4413096"/>
+            <a:off x="2339752" y="4365104"/>
             <a:ext cx="4300479" cy="1919238"/>
           </a:xfrm>
         </p:spPr>
@@ -3640,9 +3619,17 @@
                   <a:schemeClr val="tx1"/>
                 </a:solidFill>
               </a:rPr>
-              <a:t>渡邊　隆之</a:t>
-            </a:r>
-            <a:endParaRPr kumimoji="1" lang="ja-JP" altLang="en-US" sz="4400" dirty="0">
+              <a:t>渡邊　</a:t>
+            </a:r>
+            <a:r>
+              <a:rPr lang="ja-JP" altLang="en-US" sz="4400" dirty="0" smtClean="0">
+                <a:solidFill>
+                  <a:schemeClr val="tx1"/>
+                </a:solidFill>
+              </a:rPr>
+              <a:t>隆之</a:t>
+            </a:r>
+            <a:endParaRPr lang="en-US" altLang="ja-JP" sz="4400" dirty="0" smtClean="0">
               <a:solidFill>
                 <a:schemeClr val="tx1"/>
               </a:solidFill>
@@ -3725,6 +3712,44 @@
               <a:t>消費者の行動と心理：ガイダンス</a:t>
             </a:r>
             <a:endParaRPr kumimoji="1" lang="ja-JP" altLang="en-US" sz="4000" dirty="0"/>
+          </a:p>
+        </p:txBody>
+      </p:sp>
+      <p:sp>
+        <p:nvSpPr>
+          <p:cNvPr id="6" name="テキスト ボックス 5"/>
+          <p:cNvSpPr txBox="1"/>
+          <p:nvPr/>
+        </p:nvSpPr>
+        <p:spPr>
+          <a:xfrm>
+            <a:off x="1403648" y="1700808"/>
+            <a:ext cx="6552728" cy="769441"/>
+          </a:xfrm>
+          <a:prstGeom prst="rect">
+            <a:avLst/>
+          </a:prstGeom>
+          <a:noFill/>
+        </p:spPr>
+        <p:txBody>
+          <a:bodyPr wrap="square" rtlCol="0">
+            <a:spAutoFit/>
+          </a:bodyPr>
+          <a:lstStyle/>
+          <a:p>
+            <a:r>
+              <a:rPr lang="ja-JP" altLang="en-US" sz="4400" dirty="0">
+                <a:solidFill>
+                  <a:srgbClr val="FF0000"/>
+                </a:solidFill>
+              </a:rPr>
+              <a:t>確認は全てテストに出る</a:t>
+            </a:r>
+            <a:endParaRPr lang="ja-JP" altLang="en-US" sz="4400" dirty="0">
+              <a:solidFill>
+                <a:srgbClr val="FF0000"/>
+              </a:solidFill>
+            </a:endParaRPr>
           </a:p>
         </p:txBody>
       </p:sp>
@@ -3987,7 +4012,7 @@
   <p:timing>
     <p:tnLst>
       <p:par>
-        <p:cTn id="1" dur="indefinite" restart="never" nodeType="tmRoot">
+        <p:cTn xmlns:p14="http://schemas.microsoft.com/office/powerpoint/2010/main" id="1" dur="indefinite" restart="never" nodeType="tmRoot">
           <p:childTnLst>
             <p:seq concurrent="1" nextAc="seek">
               <p:cTn id="2" dur="indefinite" nodeType="mainSeq">
@@ -5085,7 +5110,7 @@
   <p:timing>
     <p:tnLst>
       <p:par>
-        <p:cTn id="1" dur="indefinite" restart="never" nodeType="tmRoot">
+        <p:cTn xmlns:p14="http://schemas.microsoft.com/office/powerpoint/2010/main" id="1" dur="indefinite" restart="never" nodeType="tmRoot">
           <p:childTnLst>
             <p:seq concurrent="1" nextAc="seek">
               <p:cTn id="2" dur="indefinite" nodeType="mainSeq">
@@ -6050,7 +6075,7 @@
         </p:spPr>
         <p:txBody>
           <a:bodyPr>
-            <a:normAutofit lnSpcReduction="10000"/>
+            <a:normAutofit/>
           </a:bodyPr>
           <a:lstStyle/>
           <a:p>
@@ -6231,7 +6256,7 @@
   <p:timing>
     <p:tnLst>
       <p:par>
-        <p:cTn id="1" dur="indefinite" restart="never" nodeType="tmRoot">
+        <p:cTn xmlns:p14="http://schemas.microsoft.com/office/powerpoint/2010/main" id="1" dur="indefinite" restart="never" nodeType="tmRoot">
           <p:childTnLst>
             <p:seq concurrent="1" nextAc="seek">
               <p:cTn id="2" dur="indefinite" nodeType="mainSeq">
@@ -7437,6 +7462,10 @@
               <a:rPr kumimoji="1" lang="ja-JP" altLang="en-US" dirty="0"/>
               <a:t>第１回：４月１３日</a:t>
             </a:r>
+            <a:r>
+              <a:rPr kumimoji="1" lang="en-US" altLang="ja-JP" dirty="0"/>
+              <a:t/>
+            </a:r>
             <a:br>
               <a:rPr kumimoji="1" lang="en-US" altLang="ja-JP" dirty="0"/>
             </a:br>
@@ -8403,7 +8432,7 @@
   <p:timing>
     <p:tnLst>
       <p:par>
-        <p:cTn id="1" dur="indefinite" restart="never" nodeType="tmRoot">
+        <p:cTn xmlns:p14="http://schemas.microsoft.com/office/powerpoint/2010/main" id="1" dur="indefinite" restart="never" nodeType="tmRoot">
           <p:childTnLst>
             <p:seq concurrent="1" nextAc="seek">
               <p:cTn id="2" dur="indefinite" nodeType="mainSeq">
@@ -9616,7 +9645,7 @@
   <p:timing>
     <p:tnLst>
       <p:par>
-        <p:cTn id="1" dur="indefinite" restart="never" nodeType="tmRoot">
+        <p:cTn xmlns:p14="http://schemas.microsoft.com/office/powerpoint/2010/main" id="1" dur="indefinite" restart="never" nodeType="tmRoot">
           <p:childTnLst>
             <p:seq concurrent="1" nextAc="seek">
               <p:cTn id="2" dur="indefinite" nodeType="mainSeq">
@@ -10657,7 +10686,7 @@
   <p:timing>
     <p:tnLst>
       <p:par>
-        <p:cTn id="1" dur="indefinite" restart="never" nodeType="tmRoot">
+        <p:cTn xmlns:p14="http://schemas.microsoft.com/office/powerpoint/2010/main" id="1" dur="indefinite" restart="never" nodeType="tmRoot">
           <p:childTnLst>
             <p:seq concurrent="1" nextAc="seek">
               <p:cTn id="2" dur="indefinite" nodeType="mainSeq">
@@ -11671,7 +11700,7 @@
         </p:spPr>
         <p:txBody>
           <a:bodyPr>
-            <a:normAutofit fontScale="70000" lnSpcReduction="20000"/>
+            <a:normAutofit fontScale="77500" lnSpcReduction="20000"/>
           </a:bodyPr>
           <a:lstStyle/>
           <a:p>
@@ -12225,7 +12254,7 @@
   <p:timing>
     <p:tnLst>
       <p:par>
-        <p:cTn id="1" dur="indefinite" restart="never" nodeType="tmRoot">
+        <p:cTn xmlns:p14="http://schemas.microsoft.com/office/powerpoint/2010/main" id="1" dur="indefinite" restart="never" nodeType="tmRoot">
           <p:childTnLst>
             <p:seq concurrent="1" nextAc="seek">
               <p:cTn id="2" dur="indefinite" nodeType="mainSeq">
@@ -13203,7 +13232,7 @@
   <p:timing>
     <p:tnLst>
       <p:par>
-        <p:cTn id="1" dur="indefinite" restart="never" nodeType="tmRoot">
+        <p:cTn xmlns:p14="http://schemas.microsoft.com/office/powerpoint/2010/main" id="1" dur="indefinite" restart="never" nodeType="tmRoot">
           <p:childTnLst>
             <p:seq concurrent="1" nextAc="seek">
               <p:cTn id="2" dur="indefinite" nodeType="mainSeq">
@@ -14638,7 +14667,7 @@
     </a:clrScheme>
     <a:fontScheme name="Office">
       <a:majorFont>
-        <a:latin typeface="游ゴシック Light" panose="020F0302020204030204"/>
+        <a:latin typeface="游ゴシック Light"/>
         <a:ea typeface=""/>
         <a:cs typeface=""/>
         <a:font script="Jpan" typeface="游ゴシック Light"/>
@@ -14690,7 +14719,7 @@
         <a:font script="Tfng" typeface="Ebrima"/>
       </a:majorFont>
       <a:minorFont>
-        <a:latin typeface="游ゴシック" panose="020F0502020204030204"/>
+        <a:latin typeface="游ゴシック"/>
         <a:ea typeface=""/>
         <a:cs typeface=""/>
         <a:font script="Jpan" typeface="游ゴシック"/>
@@ -14884,7 +14913,7 @@
   <a:extraClrSchemeLst/>
   <a:extLst>
     <a:ext uri="{05A4C25C-085E-4340-85A3-A5531E510DB2}">
-      <thm15:themeFamily xmlns:thm15="http://schemas.microsoft.com/office/thememl/2012/main" name="Office Theme" id="{62F939B6-93AF-4DB8-9C6B-D6C7DFDC589F}" vid="{4A3C46E8-61CC-4603-A589-7422A47A8E4A}"/>
+      <thm15:themeFamily xmlns:thm15="http://schemas.microsoft.com/office/thememl/2012/main" xmlns="" name="Office Theme" id="{62F939B6-93AF-4DB8-9C6B-D6C7DFDC589F}" vid="{4A3C46E8-61CC-4603-A589-7422A47A8E4A}"/>
     </a:ext>
   </a:extLst>
 </a:theme>
@@ -14933,7 +14962,7 @@
     </a:clrScheme>
     <a:fontScheme name="Office">
       <a:majorFont>
-        <a:latin typeface="游ゴシック Light" panose="020F0302020204030204"/>
+        <a:latin typeface="游ゴシック Light"/>
         <a:ea typeface=""/>
         <a:cs typeface=""/>
         <a:font script="Jpan" typeface="游ゴシック Light"/>
@@ -14985,7 +15014,7 @@
         <a:font script="Tfng" typeface="Ebrima"/>
       </a:majorFont>
       <a:minorFont>
-        <a:latin typeface="游ゴシック" panose="020F0502020204030204"/>
+        <a:latin typeface="游ゴシック"/>
         <a:ea typeface=""/>
         <a:cs typeface=""/>
         <a:font script="Jpan" typeface="游ゴシック"/>
@@ -15179,7 +15208,7 @@
   <a:extraClrSchemeLst/>
   <a:extLst>
     <a:ext uri="{05A4C25C-085E-4340-85A3-A5531E510DB2}">
-      <thm15:themeFamily xmlns:thm15="http://schemas.microsoft.com/office/thememl/2012/main" name="Office Theme" id="{62F939B6-93AF-4DB8-9C6B-D6C7DFDC589F}" vid="{4A3C46E8-61CC-4603-A589-7422A47A8E4A}"/>
+      <thm15:themeFamily xmlns:thm15="http://schemas.microsoft.com/office/thememl/2012/main" xmlns="" name="Office Theme" id="{62F939B6-93AF-4DB8-9C6B-D6C7DFDC589F}" vid="{4A3C46E8-61CC-4603-A589-7422A47A8E4A}"/>
     </a:ext>
   </a:extLst>
 </a:theme>
